--- a/mhw3.pptx
+++ b/mhw3.pptx
@@ -3791,7 +3791,7 @@
         <p:spPr/>
         <p:txBody>
           <a:bodyPr>
-            <a:normAutofit lnSpcReduction="10000"/>
+            <a:normAutofit fontScale="92500" lnSpcReduction="10000"/>
           </a:bodyPr>
           <a:lstStyle/>
           <a:p>
@@ -3801,6 +3801,19 @@
             <a:r>
               <a:rPr lang="it-IT"/>
               <a:t>La prima funzione che ho implementato sfruttando le API è quella di una barra di ricerca che mostra i dati totali sul Covid 19 di una nazione digitata tramite form e input.</a:t>
+            </a:r>
+          </a:p>
+          <a:p>
+            <a:pPr marL="0" indent="0">
+              <a:buNone/>
+            </a:pPr>
+            <a:r>
+              <a:rPr lang="it-IT">
+                <a:solidFill>
+                  <a:srgbClr val="FF0000"/>
+                </a:solidFill>
+              </a:rPr>
+              <a:t>Per poter effettivamente cercare una nazione con successo bisogna scrivere il nome in inglese.</a:t>
             </a:r>
           </a:p>
           <a:p>
